--- a/dfr_metadata/paper/fig/fat3.pptx
+++ b/dfr_metadata/paper/fig/fat3.pptx
@@ -259,7 +259,7 @@
           <a:p>
             <a:fld id="{CFC90A4D-0449-FE4F-8963-89C122A9FB4A}" type="datetimeFigureOut">
               <a:rPr lang="en-US" smtClean="0"/>
-              <a:t>10/25/19</a:t>
+              <a:t>10/26/19</a:t>
             </a:fld>
             <a:endParaRPr lang="en-US"/>
           </a:p>
@@ -457,7 +457,7 @@
           <a:p>
             <a:fld id="{CFC90A4D-0449-FE4F-8963-89C122A9FB4A}" type="datetimeFigureOut">
               <a:rPr lang="en-US" smtClean="0"/>
-              <a:t>10/25/19</a:t>
+              <a:t>10/26/19</a:t>
             </a:fld>
             <a:endParaRPr lang="en-US"/>
           </a:p>
@@ -665,7 +665,7 @@
           <a:p>
             <a:fld id="{CFC90A4D-0449-FE4F-8963-89C122A9FB4A}" type="datetimeFigureOut">
               <a:rPr lang="en-US" smtClean="0"/>
-              <a:t>10/25/19</a:t>
+              <a:t>10/26/19</a:t>
             </a:fld>
             <a:endParaRPr lang="en-US"/>
           </a:p>
@@ -863,7 +863,7 @@
           <a:p>
             <a:fld id="{CFC90A4D-0449-FE4F-8963-89C122A9FB4A}" type="datetimeFigureOut">
               <a:rPr lang="en-US" smtClean="0"/>
-              <a:t>10/25/19</a:t>
+              <a:t>10/26/19</a:t>
             </a:fld>
             <a:endParaRPr lang="en-US"/>
           </a:p>
@@ -1138,7 +1138,7 @@
           <a:p>
             <a:fld id="{CFC90A4D-0449-FE4F-8963-89C122A9FB4A}" type="datetimeFigureOut">
               <a:rPr lang="en-US" smtClean="0"/>
-              <a:t>10/25/19</a:t>
+              <a:t>10/26/19</a:t>
             </a:fld>
             <a:endParaRPr lang="en-US"/>
           </a:p>
@@ -1403,7 +1403,7 @@
           <a:p>
             <a:fld id="{CFC90A4D-0449-FE4F-8963-89C122A9FB4A}" type="datetimeFigureOut">
               <a:rPr lang="en-US" smtClean="0"/>
-              <a:t>10/25/19</a:t>
+              <a:t>10/26/19</a:t>
             </a:fld>
             <a:endParaRPr lang="en-US"/>
           </a:p>
@@ -1815,7 +1815,7 @@
           <a:p>
             <a:fld id="{CFC90A4D-0449-FE4F-8963-89C122A9FB4A}" type="datetimeFigureOut">
               <a:rPr lang="en-US" smtClean="0"/>
-              <a:t>10/25/19</a:t>
+              <a:t>10/26/19</a:t>
             </a:fld>
             <a:endParaRPr lang="en-US"/>
           </a:p>
@@ -1956,7 +1956,7 @@
           <a:p>
             <a:fld id="{CFC90A4D-0449-FE4F-8963-89C122A9FB4A}" type="datetimeFigureOut">
               <a:rPr lang="en-US" smtClean="0"/>
-              <a:t>10/25/19</a:t>
+              <a:t>10/26/19</a:t>
             </a:fld>
             <a:endParaRPr lang="en-US"/>
           </a:p>
@@ -2069,7 +2069,7 @@
           <a:p>
             <a:fld id="{CFC90A4D-0449-FE4F-8963-89C122A9FB4A}" type="datetimeFigureOut">
               <a:rPr lang="en-US" smtClean="0"/>
-              <a:t>10/25/19</a:t>
+              <a:t>10/26/19</a:t>
             </a:fld>
             <a:endParaRPr lang="en-US"/>
           </a:p>
@@ -2380,7 +2380,7 @@
           <a:p>
             <a:fld id="{CFC90A4D-0449-FE4F-8963-89C122A9FB4A}" type="datetimeFigureOut">
               <a:rPr lang="en-US" smtClean="0"/>
-              <a:t>10/25/19</a:t>
+              <a:t>10/26/19</a:t>
             </a:fld>
             <a:endParaRPr lang="en-US"/>
           </a:p>
@@ -2668,7 +2668,7 @@
           <a:p>
             <a:fld id="{CFC90A4D-0449-FE4F-8963-89C122A9FB4A}" type="datetimeFigureOut">
               <a:rPr lang="en-US" smtClean="0"/>
-              <a:t>10/25/19</a:t>
+              <a:t>10/26/19</a:t>
             </a:fld>
             <a:endParaRPr lang="en-US"/>
           </a:p>
@@ -2909,7 +2909,7 @@
           <a:p>
             <a:fld id="{CFC90A4D-0449-FE4F-8963-89C122A9FB4A}" type="datetimeFigureOut">
               <a:rPr lang="en-US" smtClean="0"/>
-              <a:t>10/25/19</a:t>
+              <a:t>10/26/19</a:t>
             </a:fld>
             <a:endParaRPr lang="en-US"/>
           </a:p>
@@ -3973,10 +3973,10 @@
       </p:cxnSp>
       <p:sp>
         <p:nvSpPr>
-          <p:cNvPr id="27" name="TextBox 26">
-            <a:extLst>
-              <a:ext uri="{FF2B5EF4-FFF2-40B4-BE49-F238E27FC236}">
-                <a16:creationId xmlns:a16="http://schemas.microsoft.com/office/drawing/2014/main" id="{1379EE74-228A-8D44-9C4B-F63EA99A2F9D}"/>
+          <p:cNvPr id="28" name="TextBox 27">
+            <a:extLst>
+              <a:ext uri="{FF2B5EF4-FFF2-40B4-BE49-F238E27FC236}">
+                <a16:creationId xmlns:a16="http://schemas.microsoft.com/office/drawing/2014/main" id="{C56C071C-9B2D-5144-8CE4-02FACFDC5995}"/>
               </a:ext>
             </a:extLst>
           </p:cNvPr>
@@ -3985,8 +3985,8 @@
         </p:nvSpPr>
         <p:spPr>
           <a:xfrm>
-            <a:off x="2715361" y="1683516"/>
-            <a:ext cx="749290" cy="529191"/>
+            <a:off x="1558444" y="1474972"/>
+            <a:ext cx="739784" cy="926084"/>
           </a:xfrm>
           <a:prstGeom prst="rect">
             <a:avLst/>
@@ -4001,17 +4001,23 @@
           <a:p>
             <a:r>
               <a:rPr lang="en-US" dirty="0"/>
-              <a:t>100</a:t>
-            </a:r>
-          </a:p>
-        </p:txBody>
-      </p:sp>
-      <p:sp>
-        <p:nvSpPr>
-          <p:cNvPr id="28" name="TextBox 27">
-            <a:extLst>
-              <a:ext uri="{FF2B5EF4-FFF2-40B4-BE49-F238E27FC236}">
-                <a16:creationId xmlns:a16="http://schemas.microsoft.com/office/drawing/2014/main" id="{C56C071C-9B2D-5144-8CE4-02FACFDC5995}"/>
+              <a:t>file</a:t>
+            </a:r>
+          </a:p>
+          <a:p>
+            <a:r>
+              <a:rPr lang="en-US" dirty="0"/>
+              <a:t>size</a:t>
+            </a:r>
+          </a:p>
+        </p:txBody>
+      </p:sp>
+      <p:sp>
+        <p:nvSpPr>
+          <p:cNvPr id="29" name="TextBox 28">
+            <a:extLst>
+              <a:ext uri="{FF2B5EF4-FFF2-40B4-BE49-F238E27FC236}">
+                <a16:creationId xmlns:a16="http://schemas.microsoft.com/office/drawing/2014/main" id="{E01103F9-9173-0F48-BCBF-5BB2F1F2A744}"/>
               </a:ext>
             </a:extLst>
           </p:cNvPr>
@@ -4020,8 +4026,8 @@
         </p:nvSpPr>
         <p:spPr>
           <a:xfrm>
-            <a:off x="1558444" y="1474972"/>
-            <a:ext cx="739784" cy="926084"/>
+            <a:off x="279154" y="1632086"/>
+            <a:ext cx="1001108" cy="369332"/>
           </a:xfrm>
           <a:prstGeom prst="rect">
             <a:avLst/>
@@ -4036,23 +4042,25 @@
           <a:p>
             <a:r>
               <a:rPr lang="en-US" dirty="0"/>
-              <a:t>file</a:t>
-            </a:r>
-          </a:p>
-          <a:p>
+              <a:t>“</a:t>
+            </a:r>
+            <a:r>
+              <a:rPr lang="en-US" dirty="0" err="1"/>
+              <a:t>foo.txt</a:t>
+            </a:r>
             <a:r>
               <a:rPr lang="en-US" dirty="0"/>
-              <a:t>size</a:t>
-            </a:r>
-          </a:p>
-        </p:txBody>
-      </p:sp>
-      <p:sp>
-        <p:nvSpPr>
-          <p:cNvPr id="29" name="TextBox 28">
-            <a:extLst>
-              <a:ext uri="{FF2B5EF4-FFF2-40B4-BE49-F238E27FC236}">
-                <a16:creationId xmlns:a16="http://schemas.microsoft.com/office/drawing/2014/main" id="{E01103F9-9173-0F48-BCBF-5BB2F1F2A744}"/>
+              <a:t>”</a:t>
+            </a:r>
+          </a:p>
+        </p:txBody>
+      </p:sp>
+      <p:sp>
+        <p:nvSpPr>
+          <p:cNvPr id="30" name="TextBox 29">
+            <a:extLst>
+              <a:ext uri="{FF2B5EF4-FFF2-40B4-BE49-F238E27FC236}">
+                <a16:creationId xmlns:a16="http://schemas.microsoft.com/office/drawing/2014/main" id="{45A879DD-98EB-CF46-AEE9-0DFD6E8B6FD4}"/>
               </a:ext>
             </a:extLst>
           </p:cNvPr>
@@ -4061,8 +4069,8 @@
         </p:nvSpPr>
         <p:spPr>
           <a:xfrm>
-            <a:off x="279154" y="1632086"/>
-            <a:ext cx="1119944" cy="529191"/>
+            <a:off x="9363544" y="5703315"/>
+            <a:ext cx="1032527" cy="369332"/>
           </a:xfrm>
           <a:prstGeom prst="rect">
             <a:avLst/>
@@ -4076,19 +4084,18 @@
           <a:lstStyle/>
           <a:p>
             <a:r>
-              <a:rPr lang="en-US" dirty="0" err="1"/>
-              <a:t>foo.txt</a:t>
-            </a:r>
-            <a:endParaRPr lang="en-US" dirty="0"/>
-          </a:p>
-        </p:txBody>
-      </p:sp>
-      <p:sp>
-        <p:nvSpPr>
-          <p:cNvPr id="30" name="TextBox 29">
-            <a:extLst>
-              <a:ext uri="{FF2B5EF4-FFF2-40B4-BE49-F238E27FC236}">
-                <a16:creationId xmlns:a16="http://schemas.microsoft.com/office/drawing/2014/main" id="{45A879DD-98EB-CF46-AEE9-0DFD6E8B6FD4}"/>
+              <a:rPr lang="en-US" dirty="0"/>
+              <a:t>FAT table</a:t>
+            </a:r>
+          </a:p>
+        </p:txBody>
+      </p:sp>
+      <p:sp>
+        <p:nvSpPr>
+          <p:cNvPr id="32" name="TextBox 31">
+            <a:extLst>
+              <a:ext uri="{FF2B5EF4-FFF2-40B4-BE49-F238E27FC236}">
+                <a16:creationId xmlns:a16="http://schemas.microsoft.com/office/drawing/2014/main" id="{209F373F-E3E4-0D4B-86D2-32E2E9B58F7D}"/>
               </a:ext>
             </a:extLst>
           </p:cNvPr>
@@ -4097,8 +4104,8 @@
         </p:nvSpPr>
         <p:spPr>
           <a:xfrm>
-            <a:off x="9363544" y="5703315"/>
-            <a:ext cx="922466" cy="926084"/>
+            <a:off x="10282119" y="2049211"/>
+            <a:ext cx="1703053" cy="529191"/>
           </a:xfrm>
           <a:prstGeom prst="rect">
             <a:avLst/>
@@ -4113,23 +4120,25 @@
           <a:p>
             <a:r>
               <a:rPr lang="en-US" dirty="0"/>
-              <a:t>FAT</a:t>
-            </a:r>
-          </a:p>
-          <a:p>
+              <a:t>100</a:t>
+            </a:r>
+            <a:r>
+              <a:rPr lang="en-US" baseline="30000" dirty="0"/>
+              <a:t>th</a:t>
+            </a:r>
             <a:r>
               <a:rPr lang="en-US" dirty="0"/>
-              <a:t>table</a:t>
-            </a:r>
-          </a:p>
-        </p:txBody>
-      </p:sp>
-      <p:sp>
-        <p:nvSpPr>
-          <p:cNvPr id="32" name="TextBox 31">
-            <a:extLst>
-              <a:ext uri="{FF2B5EF4-FFF2-40B4-BE49-F238E27FC236}">
-                <a16:creationId xmlns:a16="http://schemas.microsoft.com/office/drawing/2014/main" id="{209F373F-E3E4-0D4B-86D2-32E2E9B58F7D}"/>
+              <a:t> entry</a:t>
+            </a:r>
+          </a:p>
+        </p:txBody>
+      </p:sp>
+      <p:sp>
+        <p:nvSpPr>
+          <p:cNvPr id="33" name="TextBox 32">
+            <a:extLst>
+              <a:ext uri="{FF2B5EF4-FFF2-40B4-BE49-F238E27FC236}">
+                <a16:creationId xmlns:a16="http://schemas.microsoft.com/office/drawing/2014/main" id="{655475BC-42DF-A44F-BE86-E2E8B912EE8F}"/>
               </a:ext>
             </a:extLst>
           </p:cNvPr>
@@ -4138,7 +4147,7 @@
         </p:nvSpPr>
         <p:spPr>
           <a:xfrm>
-            <a:off x="10282119" y="2049211"/>
+            <a:off x="10251319" y="2534295"/>
             <a:ext cx="1703053" cy="529191"/>
           </a:xfrm>
           <a:prstGeom prst="rect">
@@ -4154,7 +4163,7 @@
           <a:p>
             <a:r>
               <a:rPr lang="en-US" dirty="0"/>
-              <a:t>100</a:t>
+              <a:t>101</a:t>
             </a:r>
             <a:r>
               <a:rPr lang="en-US" baseline="30000" dirty="0"/>
@@ -4169,10 +4178,10 @@
       </p:sp>
       <p:sp>
         <p:nvSpPr>
-          <p:cNvPr id="33" name="TextBox 32">
-            <a:extLst>
-              <a:ext uri="{FF2B5EF4-FFF2-40B4-BE49-F238E27FC236}">
-                <a16:creationId xmlns:a16="http://schemas.microsoft.com/office/drawing/2014/main" id="{655475BC-42DF-A44F-BE86-E2E8B912EE8F}"/>
+          <p:cNvPr id="34" name="TextBox 33">
+            <a:extLst>
+              <a:ext uri="{FF2B5EF4-FFF2-40B4-BE49-F238E27FC236}">
+                <a16:creationId xmlns:a16="http://schemas.microsoft.com/office/drawing/2014/main" id="{939FC3C3-7F54-214F-9810-1CD6B2FAAE01}"/>
               </a:ext>
             </a:extLst>
           </p:cNvPr>
@@ -4181,8 +4190,8 @@
         </p:nvSpPr>
         <p:spPr>
           <a:xfrm>
-            <a:off x="10251319" y="2534295"/>
-            <a:ext cx="1703053" cy="529191"/>
+            <a:off x="10282119" y="4106205"/>
+            <a:ext cx="1217641" cy="369332"/>
           </a:xfrm>
           <a:prstGeom prst="rect">
             <a:avLst/>
@@ -4197,7 +4206,7 @@
           <a:p>
             <a:r>
               <a:rPr lang="en-US" dirty="0"/>
-              <a:t>101</a:t>
+              <a:t>297</a:t>
             </a:r>
             <a:r>
               <a:rPr lang="en-US" baseline="30000" dirty="0"/>
@@ -4212,10 +4221,10 @@
       </p:sp>
       <p:sp>
         <p:nvSpPr>
-          <p:cNvPr id="34" name="TextBox 33">
-            <a:extLst>
-              <a:ext uri="{FF2B5EF4-FFF2-40B4-BE49-F238E27FC236}">
-                <a16:creationId xmlns:a16="http://schemas.microsoft.com/office/drawing/2014/main" id="{939FC3C3-7F54-214F-9810-1CD6B2FAAE01}"/>
+          <p:cNvPr id="35" name="TextBox 34">
+            <a:extLst>
+              <a:ext uri="{FF2B5EF4-FFF2-40B4-BE49-F238E27FC236}">
+                <a16:creationId xmlns:a16="http://schemas.microsoft.com/office/drawing/2014/main" id="{79410A8D-7E46-1A40-A0FB-BBCED13A8E82}"/>
               </a:ext>
             </a:extLst>
           </p:cNvPr>
@@ -4224,7 +4233,7 @@
         </p:nvSpPr>
         <p:spPr>
           <a:xfrm>
-            <a:off x="10282119" y="4106205"/>
+            <a:off x="10282119" y="4584909"/>
             <a:ext cx="1217641" cy="369332"/>
           </a:xfrm>
           <a:prstGeom prst="rect">
@@ -4240,7 +4249,7 @@
           <a:p>
             <a:r>
               <a:rPr lang="en-US" dirty="0"/>
-              <a:t>297</a:t>
+              <a:t>298</a:t>
             </a:r>
             <a:r>
               <a:rPr lang="en-US" baseline="30000" dirty="0"/>
@@ -4255,10 +4264,10 @@
       </p:sp>
       <p:sp>
         <p:nvSpPr>
-          <p:cNvPr id="35" name="TextBox 34">
-            <a:extLst>
-              <a:ext uri="{FF2B5EF4-FFF2-40B4-BE49-F238E27FC236}">
-                <a16:creationId xmlns:a16="http://schemas.microsoft.com/office/drawing/2014/main" id="{79410A8D-7E46-1A40-A0FB-BBCED13A8E82}"/>
+          <p:cNvPr id="36" name="TextBox 35">
+            <a:extLst>
+              <a:ext uri="{FF2B5EF4-FFF2-40B4-BE49-F238E27FC236}">
+                <a16:creationId xmlns:a16="http://schemas.microsoft.com/office/drawing/2014/main" id="{707B6DF9-3C28-BC46-9421-EEB6EDAD708C}"/>
               </a:ext>
             </a:extLst>
           </p:cNvPr>
@@ -4267,8 +4276,8 @@
         </p:nvSpPr>
         <p:spPr>
           <a:xfrm>
-            <a:off x="10282119" y="4584909"/>
-            <a:ext cx="1217641" cy="369332"/>
+            <a:off x="9466018" y="2477208"/>
+            <a:ext cx="535724" cy="369332"/>
           </a:xfrm>
           <a:prstGeom prst="rect">
             <a:avLst/>
@@ -4283,25 +4292,17 @@
           <a:p>
             <a:r>
               <a:rPr lang="en-US" dirty="0"/>
-              <a:t>298</a:t>
-            </a:r>
-            <a:r>
-              <a:rPr lang="en-US" baseline="30000" dirty="0"/>
-              <a:t>th</a:t>
-            </a:r>
-            <a:r>
-              <a:rPr lang="en-US" dirty="0"/>
-              <a:t> entry</a:t>
-            </a:r>
-          </a:p>
-        </p:txBody>
-      </p:sp>
-      <p:sp>
-        <p:nvSpPr>
-          <p:cNvPr id="36" name="TextBox 35">
-            <a:extLst>
-              <a:ext uri="{FF2B5EF4-FFF2-40B4-BE49-F238E27FC236}">
-                <a16:creationId xmlns:a16="http://schemas.microsoft.com/office/drawing/2014/main" id="{707B6DF9-3C28-BC46-9421-EEB6EDAD708C}"/>
+              <a:t>200</a:t>
+            </a:r>
+          </a:p>
+        </p:txBody>
+      </p:sp>
+      <p:sp>
+        <p:nvSpPr>
+          <p:cNvPr id="37" name="TextBox 36">
+            <a:extLst>
+              <a:ext uri="{FF2B5EF4-FFF2-40B4-BE49-F238E27FC236}">
+                <a16:creationId xmlns:a16="http://schemas.microsoft.com/office/drawing/2014/main" id="{EFD1686E-DA8E-9C42-A044-7CFA5AFAF9B8}"/>
               </a:ext>
             </a:extLst>
           </p:cNvPr>
@@ -4310,8 +4311,8 @@
         </p:nvSpPr>
         <p:spPr>
           <a:xfrm>
-            <a:off x="9466018" y="2477208"/>
-            <a:ext cx="535724" cy="369332"/>
+            <a:off x="9484025" y="2067307"/>
+            <a:ext cx="749290" cy="529191"/>
           </a:xfrm>
           <a:prstGeom prst="rect">
             <a:avLst/>
@@ -4326,17 +4327,17 @@
           <a:p>
             <a:r>
               <a:rPr lang="en-US" dirty="0"/>
-              <a:t>200</a:t>
-            </a:r>
-          </a:p>
-        </p:txBody>
-      </p:sp>
-      <p:sp>
-        <p:nvSpPr>
-          <p:cNvPr id="37" name="TextBox 36">
-            <a:extLst>
-              <a:ext uri="{FF2B5EF4-FFF2-40B4-BE49-F238E27FC236}">
-                <a16:creationId xmlns:a16="http://schemas.microsoft.com/office/drawing/2014/main" id="{EFD1686E-DA8E-9C42-A044-7CFA5AFAF9B8}"/>
+              <a:t>101</a:t>
+            </a:r>
+          </a:p>
+        </p:txBody>
+      </p:sp>
+      <p:sp>
+        <p:nvSpPr>
+          <p:cNvPr id="38" name="TextBox 37">
+            <a:extLst>
+              <a:ext uri="{FF2B5EF4-FFF2-40B4-BE49-F238E27FC236}">
+                <a16:creationId xmlns:a16="http://schemas.microsoft.com/office/drawing/2014/main" id="{B2778EE1-5B0D-DB4A-9C7D-E2247F45D895}"/>
               </a:ext>
             </a:extLst>
           </p:cNvPr>
@@ -4345,8 +4346,8 @@
         </p:nvSpPr>
         <p:spPr>
           <a:xfrm>
-            <a:off x="9484025" y="2067307"/>
-            <a:ext cx="749290" cy="529191"/>
+            <a:off x="9516404" y="4201534"/>
+            <a:ext cx="535724" cy="369332"/>
           </a:xfrm>
           <a:prstGeom prst="rect">
             <a:avLst/>
@@ -4361,17 +4362,17 @@
           <a:p>
             <a:r>
               <a:rPr lang="en-US" dirty="0"/>
-              <a:t>101</a:t>
-            </a:r>
-          </a:p>
-        </p:txBody>
-      </p:sp>
-      <p:sp>
-        <p:nvSpPr>
-          <p:cNvPr id="38" name="TextBox 37">
-            <a:extLst>
-              <a:ext uri="{FF2B5EF4-FFF2-40B4-BE49-F238E27FC236}">
-                <a16:creationId xmlns:a16="http://schemas.microsoft.com/office/drawing/2014/main" id="{B2778EE1-5B0D-DB4A-9C7D-E2247F45D895}"/>
+              <a:t>298</a:t>
+            </a:r>
+          </a:p>
+        </p:txBody>
+      </p:sp>
+      <p:sp>
+        <p:nvSpPr>
+          <p:cNvPr id="39" name="TextBox 38">
+            <a:extLst>
+              <a:ext uri="{FF2B5EF4-FFF2-40B4-BE49-F238E27FC236}">
+                <a16:creationId xmlns:a16="http://schemas.microsoft.com/office/drawing/2014/main" id="{29CC036C-B001-3544-B6B5-EBA218E26390}"/>
               </a:ext>
             </a:extLst>
           </p:cNvPr>
@@ -4380,8 +4381,8 @@
         </p:nvSpPr>
         <p:spPr>
           <a:xfrm>
-            <a:off x="9516404" y="4201534"/>
-            <a:ext cx="535724" cy="369332"/>
+            <a:off x="9510942" y="4536976"/>
+            <a:ext cx="771172" cy="529191"/>
           </a:xfrm>
           <a:prstGeom prst="rect">
             <a:avLst/>
@@ -4396,17 +4397,17 @@
           <a:p>
             <a:r>
               <a:rPr lang="en-US" dirty="0"/>
-              <a:t>298</a:t>
-            </a:r>
-          </a:p>
-        </p:txBody>
-      </p:sp>
-      <p:sp>
-        <p:nvSpPr>
-          <p:cNvPr id="39" name="TextBox 38">
-            <a:extLst>
-              <a:ext uri="{FF2B5EF4-FFF2-40B4-BE49-F238E27FC236}">
-                <a16:creationId xmlns:a16="http://schemas.microsoft.com/office/drawing/2014/main" id="{29CC036C-B001-3544-B6B5-EBA218E26390}"/>
+              <a:t>EOF</a:t>
+            </a:r>
+          </a:p>
+        </p:txBody>
+      </p:sp>
+      <p:sp>
+        <p:nvSpPr>
+          <p:cNvPr id="40" name="TextBox 39">
+            <a:extLst>
+              <a:ext uri="{FF2B5EF4-FFF2-40B4-BE49-F238E27FC236}">
+                <a16:creationId xmlns:a16="http://schemas.microsoft.com/office/drawing/2014/main" id="{2B223EC8-EA1E-C043-8FF6-DCB41B4AA305}"/>
               </a:ext>
             </a:extLst>
           </p:cNvPr>
@@ -4415,8 +4416,8 @@
         </p:nvSpPr>
         <p:spPr>
           <a:xfrm>
-            <a:off x="9510942" y="4536976"/>
-            <a:ext cx="771172" cy="529191"/>
+            <a:off x="279154" y="2533911"/>
+            <a:ext cx="2810000" cy="369332"/>
           </a:xfrm>
           <a:prstGeom prst="rect">
             <a:avLst/>
@@ -4430,41 +4431,6 @@
           <a:lstStyle/>
           <a:p>
             <a:r>
-              <a:rPr lang="en-US" dirty="0"/>
-              <a:t>EOF</a:t>
-            </a:r>
-          </a:p>
-        </p:txBody>
-      </p:sp>
-      <p:sp>
-        <p:nvSpPr>
-          <p:cNvPr id="40" name="TextBox 39">
-            <a:extLst>
-              <a:ext uri="{FF2B5EF4-FFF2-40B4-BE49-F238E27FC236}">
-                <a16:creationId xmlns:a16="http://schemas.microsoft.com/office/drawing/2014/main" id="{2B223EC8-EA1E-C043-8FF6-DCB41B4AA305}"/>
-              </a:ext>
-            </a:extLst>
-          </p:cNvPr>
-          <p:cNvSpPr txBox="1"/>
-          <p:nvPr/>
-        </p:nvSpPr>
-        <p:spPr>
-          <a:xfrm>
-            <a:off x="279154" y="2533911"/>
-            <a:ext cx="3936753" cy="529191"/>
-          </a:xfrm>
-          <a:prstGeom prst="rect">
-            <a:avLst/>
-          </a:prstGeom>
-          <a:noFill/>
-        </p:spPr>
-        <p:txBody>
-          <a:bodyPr wrap="none" rtlCol="0">
-            <a:spAutoFit/>
-          </a:bodyPr>
-          <a:lstStyle/>
-          <a:p>
-            <a:r>
               <a:rPr lang="en-US" i="1" dirty="0"/>
               <a:t>directory entry</a:t>
             </a:r>
@@ -4473,10 +4439,18 @@
               <a:t> of file </a:t>
             </a:r>
             <a:r>
-              <a:rPr lang="en-US" dirty="0" err="1"/>
+              <a:rPr lang="en-US" i="1" dirty="0" err="1">
+                <a:solidFill>
+                  <a:srgbClr val="0070C0"/>
+                </a:solidFill>
+              </a:rPr>
               <a:t>foo.txt</a:t>
             </a:r>
-            <a:endParaRPr lang="en-US" dirty="0"/>
+            <a:endParaRPr lang="en-US" i="1" dirty="0">
+              <a:solidFill>
+                <a:srgbClr val="0070C0"/>
+              </a:solidFill>
+            </a:endParaRPr>
           </a:p>
         </p:txBody>
       </p:sp>
@@ -5392,6 +5366,47 @@
           <a:p>
             <a:pPr algn="ctr"/>
             <a:endParaRPr lang="en-US"/>
+          </a:p>
+        </p:txBody>
+      </p:sp>
+      <p:sp>
+        <p:nvSpPr>
+          <p:cNvPr id="54" name="TextBox 53">
+            <a:extLst>
+              <a:ext uri="{FF2B5EF4-FFF2-40B4-BE49-F238E27FC236}">
+                <a16:creationId xmlns:a16="http://schemas.microsoft.com/office/drawing/2014/main" id="{AD52B6A4-9FDA-0D4B-9B03-EA7C30E3CD69}"/>
+              </a:ext>
+            </a:extLst>
+          </p:cNvPr>
+          <p:cNvSpPr txBox="1"/>
+          <p:nvPr/>
+        </p:nvSpPr>
+        <p:spPr>
+          <a:xfrm>
+            <a:off x="2521385" y="1588263"/>
+            <a:ext cx="1280863" cy="646331"/>
+          </a:xfrm>
+          <a:prstGeom prst="rect">
+            <a:avLst/>
+          </a:prstGeom>
+          <a:noFill/>
+        </p:spPr>
+        <p:txBody>
+          <a:bodyPr wrap="none" rtlCol="0">
+            <a:spAutoFit/>
+          </a:bodyPr>
+          <a:lstStyle/>
+          <a:p>
+            <a:r>
+              <a:rPr lang="en-US" dirty="0"/>
+              <a:t>Starting</a:t>
+            </a:r>
+          </a:p>
+          <a:p>
+            <a:r>
+              <a:rPr lang="en-US" dirty="0"/>
+              <a:t>cluster=100</a:t>
+            </a:r>
           </a:p>
         </p:txBody>
       </p:sp>
